--- a/source/images/draft.pptx
+++ b/source/images/draft.pptx
@@ -259,7 +259,7 @@
           <a:p>
             <a:fld id="{6C6D1D3C-3CF8-4241-9BDD-BABBC9CF2198}" type="datetimeFigureOut">
               <a:rPr lang="zh-CN" altLang="en-US" smtClean="0"/>
-              <a:t>2022/5/16</a:t>
+              <a:t>2022/05/19</a:t>
             </a:fld>
             <a:endParaRPr lang="zh-CN" altLang="en-US"/>
           </a:p>
@@ -457,7 +457,7 @@
           <a:p>
             <a:fld id="{6C6D1D3C-3CF8-4241-9BDD-BABBC9CF2198}" type="datetimeFigureOut">
               <a:rPr lang="zh-CN" altLang="en-US" smtClean="0"/>
-              <a:t>2022/5/16</a:t>
+              <a:t>2022/05/19</a:t>
             </a:fld>
             <a:endParaRPr lang="zh-CN" altLang="en-US"/>
           </a:p>
@@ -665,7 +665,7 @@
           <a:p>
             <a:fld id="{6C6D1D3C-3CF8-4241-9BDD-BABBC9CF2198}" type="datetimeFigureOut">
               <a:rPr lang="zh-CN" altLang="en-US" smtClean="0"/>
-              <a:t>2022/5/16</a:t>
+              <a:t>2022/05/19</a:t>
             </a:fld>
             <a:endParaRPr lang="zh-CN" altLang="en-US"/>
           </a:p>
@@ -863,7 +863,7 @@
           <a:p>
             <a:fld id="{6C6D1D3C-3CF8-4241-9BDD-BABBC9CF2198}" type="datetimeFigureOut">
               <a:rPr lang="zh-CN" altLang="en-US" smtClean="0"/>
-              <a:t>2022/5/16</a:t>
+              <a:t>2022/05/19</a:t>
             </a:fld>
             <a:endParaRPr lang="zh-CN" altLang="en-US"/>
           </a:p>
@@ -1138,7 +1138,7 @@
           <a:p>
             <a:fld id="{6C6D1D3C-3CF8-4241-9BDD-BABBC9CF2198}" type="datetimeFigureOut">
               <a:rPr lang="zh-CN" altLang="en-US" smtClean="0"/>
-              <a:t>2022/5/16</a:t>
+              <a:t>2022/05/19</a:t>
             </a:fld>
             <a:endParaRPr lang="zh-CN" altLang="en-US"/>
           </a:p>
@@ -1403,7 +1403,7 @@
           <a:p>
             <a:fld id="{6C6D1D3C-3CF8-4241-9BDD-BABBC9CF2198}" type="datetimeFigureOut">
               <a:rPr lang="zh-CN" altLang="en-US" smtClean="0"/>
-              <a:t>2022/5/16</a:t>
+              <a:t>2022/05/19</a:t>
             </a:fld>
             <a:endParaRPr lang="zh-CN" altLang="en-US"/>
           </a:p>
@@ -1815,7 +1815,7 @@
           <a:p>
             <a:fld id="{6C6D1D3C-3CF8-4241-9BDD-BABBC9CF2198}" type="datetimeFigureOut">
               <a:rPr lang="zh-CN" altLang="en-US" smtClean="0"/>
-              <a:t>2022/5/16</a:t>
+              <a:t>2022/05/19</a:t>
             </a:fld>
             <a:endParaRPr lang="zh-CN" altLang="en-US"/>
           </a:p>
@@ -1956,7 +1956,7 @@
           <a:p>
             <a:fld id="{6C6D1D3C-3CF8-4241-9BDD-BABBC9CF2198}" type="datetimeFigureOut">
               <a:rPr lang="zh-CN" altLang="en-US" smtClean="0"/>
-              <a:t>2022/5/16</a:t>
+              <a:t>2022/05/19</a:t>
             </a:fld>
             <a:endParaRPr lang="zh-CN" altLang="en-US"/>
           </a:p>
@@ -2069,7 +2069,7 @@
           <a:p>
             <a:fld id="{6C6D1D3C-3CF8-4241-9BDD-BABBC9CF2198}" type="datetimeFigureOut">
               <a:rPr lang="zh-CN" altLang="en-US" smtClean="0"/>
-              <a:t>2022/5/16</a:t>
+              <a:t>2022/05/19</a:t>
             </a:fld>
             <a:endParaRPr lang="zh-CN" altLang="en-US"/>
           </a:p>
@@ -2380,7 +2380,7 @@
           <a:p>
             <a:fld id="{6C6D1D3C-3CF8-4241-9BDD-BABBC9CF2198}" type="datetimeFigureOut">
               <a:rPr lang="zh-CN" altLang="en-US" smtClean="0"/>
-              <a:t>2022/5/16</a:t>
+              <a:t>2022/05/19</a:t>
             </a:fld>
             <a:endParaRPr lang="zh-CN" altLang="en-US"/>
           </a:p>
@@ -2668,7 +2668,7 @@
           <a:p>
             <a:fld id="{6C6D1D3C-3CF8-4241-9BDD-BABBC9CF2198}" type="datetimeFigureOut">
               <a:rPr lang="zh-CN" altLang="en-US" smtClean="0"/>
-              <a:t>2022/5/16</a:t>
+              <a:t>2022/05/19</a:t>
             </a:fld>
             <a:endParaRPr lang="zh-CN" altLang="en-US"/>
           </a:p>
@@ -2909,7 +2909,7 @@
           <a:p>
             <a:fld id="{6C6D1D3C-3CF8-4241-9BDD-BABBC9CF2198}" type="datetimeFigureOut">
               <a:rPr lang="zh-CN" altLang="en-US" smtClean="0"/>
-              <a:t>2022/5/16</a:t>
+              <a:t>2022/05/19</a:t>
             </a:fld>
             <a:endParaRPr lang="zh-CN" altLang="en-US"/>
           </a:p>
@@ -3757,7 +3757,7 @@
         <p:spPr>
           <a:xfrm>
             <a:off x="6595634" y="4557713"/>
-            <a:ext cx="1420099" cy="646331"/>
+            <a:ext cx="2144329" cy="646331"/>
           </a:xfrm>
           <a:prstGeom prst="rect">
             <a:avLst/>
@@ -3778,7 +3778,7 @@
                 <a:latin typeface="Times New Roman" panose="02020603050405020304" pitchFamily="18" charset="0"/>
                 <a:cs typeface="Times New Roman" panose="02020603050405020304" pitchFamily="18" charset="0"/>
               </a:rPr>
-              <a:t>重复峰</a:t>
+              <a:t>重复序列峰</a:t>
             </a:r>
             <a:endParaRPr lang="en-US" altLang="zh-CN" dirty="0">
               <a:solidFill>
@@ -3797,7 +3797,7 @@
                 <a:latin typeface="Times New Roman" panose="02020603050405020304" pitchFamily="18" charset="0"/>
                 <a:cs typeface="Times New Roman" panose="02020603050405020304" pitchFamily="18" charset="0"/>
               </a:rPr>
-              <a:t>repetitive</a:t>
+              <a:t>Repetitive peak</a:t>
             </a:r>
             <a:endParaRPr lang="zh-CN" altLang="en-US" dirty="0">
               <a:solidFill>
@@ -3864,7 +3864,7 @@
                 <a:latin typeface="Times New Roman" panose="02020603050405020304" pitchFamily="18" charset="0"/>
                 <a:cs typeface="Times New Roman" panose="02020603050405020304" pitchFamily="18" charset="0"/>
               </a:rPr>
-              <a:t>heterozygosity</a:t>
+              <a:t>Hetero-peak</a:t>
             </a:r>
             <a:endParaRPr lang="zh-CN" altLang="en-US" dirty="0">
               <a:solidFill>
@@ -3912,7 +3912,7 @@
                 <a:latin typeface="Times New Roman" panose="02020603050405020304" pitchFamily="18" charset="0"/>
                 <a:cs typeface="Times New Roman" panose="02020603050405020304" pitchFamily="18" charset="0"/>
               </a:rPr>
-              <a:t>主峰</a:t>
+              <a:t>纯合峰</a:t>
             </a:r>
             <a:endParaRPr lang="en-US" altLang="zh-CN" dirty="0">
               <a:solidFill>
@@ -3931,7 +3931,7 @@
                 <a:latin typeface="Times New Roman" panose="02020603050405020304" pitchFamily="18" charset="0"/>
                 <a:cs typeface="Times New Roman" panose="02020603050405020304" pitchFamily="18" charset="0"/>
               </a:rPr>
-              <a:t>major peak</a:t>
+              <a:t>Homo-peak</a:t>
             </a:r>
             <a:endParaRPr lang="zh-CN" altLang="en-US" dirty="0">
               <a:solidFill>
@@ -3958,7 +3958,7 @@
         <p:spPr>
           <a:xfrm>
             <a:off x="4009461" y="1071120"/>
-            <a:ext cx="991748" cy="800219"/>
+            <a:ext cx="1221252" cy="646331"/>
           </a:xfrm>
           <a:prstGeom prst="rect">
             <a:avLst/>
@@ -3999,53 +3999,7 @@
                 <a:ea typeface="宋体" panose="02010600030101010101" pitchFamily="2" charset="-122"/>
                 <a:cs typeface="Times New Roman" panose="02020603050405020304" pitchFamily="18" charset="0"/>
               </a:rPr>
-              <a:t>errors</a:t>
-            </a:r>
-          </a:p>
-          <a:p>
-            <a:r>
-              <a:rPr lang="en-US" altLang="zh-CN" sz="1000" dirty="0">
-                <a:solidFill>
-                  <a:srgbClr val="FF0000"/>
-                </a:solidFill>
-                <a:latin typeface="Times New Roman" panose="02020603050405020304" pitchFamily="18" charset="0"/>
-                <a:ea typeface="宋体" panose="02010600030101010101" pitchFamily="2" charset="-122"/>
-                <a:cs typeface="Times New Roman" panose="02020603050405020304" pitchFamily="18" charset="0"/>
-              </a:rPr>
-              <a:t>(</a:t>
-            </a:r>
-            <a:r>
-              <a:rPr lang="zh-CN" altLang="en-US" sz="1000" dirty="0">
-                <a:solidFill>
-                  <a:srgbClr val="FF0000"/>
-                </a:solidFill>
-                <a:latin typeface="Times New Roman" panose="02020603050405020304" pitchFamily="18" charset="0"/>
-                <a:ea typeface="宋体" panose="02010600030101010101" pitchFamily="2" charset="-122"/>
-                <a:cs typeface="Times New Roman" panose="02020603050405020304" pitchFamily="18" charset="0"/>
-              </a:rPr>
-              <a:t>低频</a:t>
-            </a:r>
-            <a:r>
-              <a:rPr lang="en-US" altLang="zh-CN" sz="1000" dirty="0" err="1">
-                <a:solidFill>
-                  <a:srgbClr val="FF0000"/>
-                </a:solidFill>
-                <a:latin typeface="Times New Roman" panose="02020603050405020304" pitchFamily="18" charset="0"/>
-                <a:ea typeface="宋体" panose="02010600030101010101" pitchFamily="2" charset="-122"/>
-                <a:cs typeface="Times New Roman" panose="02020603050405020304" pitchFamily="18" charset="0"/>
-              </a:rPr>
-              <a:t>Kmers</a:t>
-            </a:r>
-            <a:r>
-              <a:rPr lang="en-US" altLang="zh-CN" sz="1000" dirty="0">
-                <a:solidFill>
-                  <a:srgbClr val="FF0000"/>
-                </a:solidFill>
-                <a:latin typeface="Times New Roman" panose="02020603050405020304" pitchFamily="18" charset="0"/>
-                <a:ea typeface="宋体" panose="02010600030101010101" pitchFamily="2" charset="-122"/>
-                <a:cs typeface="Times New Roman" panose="02020603050405020304" pitchFamily="18" charset="0"/>
-              </a:rPr>
-              <a:t>)</a:t>
+              <a:t>Error-peak</a:t>
             </a:r>
           </a:p>
         </p:txBody>
